--- a/figures/ch1/transc_trad.pptx
+++ b/figures/ch1/transc_trad.pptx
@@ -288,7 +288,7 @@
           <a:p>
             <a:fld id="{546DFE20-6620-9648-BAC3-C8182BE034BC}" type="datetimeFigureOut">
               <a:rPr lang="en-US" smtClean="0"/>
-              <a:t>27/08/15</a:t>
+              <a:t>21/09/15</a:t>
             </a:fld>
             <a:endParaRPr lang="en-US"/>
           </a:p>
@@ -458,7 +458,7 @@
           <a:p>
             <a:fld id="{546DFE20-6620-9648-BAC3-C8182BE034BC}" type="datetimeFigureOut">
               <a:rPr lang="en-US" smtClean="0"/>
-              <a:t>27/08/15</a:t>
+              <a:t>21/09/15</a:t>
             </a:fld>
             <a:endParaRPr lang="en-US"/>
           </a:p>
@@ -638,7 +638,7 @@
           <a:p>
             <a:fld id="{546DFE20-6620-9648-BAC3-C8182BE034BC}" type="datetimeFigureOut">
               <a:rPr lang="en-US" smtClean="0"/>
-              <a:t>27/08/15</a:t>
+              <a:t>21/09/15</a:t>
             </a:fld>
             <a:endParaRPr lang="en-US"/>
           </a:p>
@@ -808,7 +808,7 @@
           <a:p>
             <a:fld id="{546DFE20-6620-9648-BAC3-C8182BE034BC}" type="datetimeFigureOut">
               <a:rPr lang="en-US" smtClean="0"/>
-              <a:t>27/08/15</a:t>
+              <a:t>21/09/15</a:t>
             </a:fld>
             <a:endParaRPr lang="en-US"/>
           </a:p>
@@ -1054,7 +1054,7 @@
           <a:p>
             <a:fld id="{546DFE20-6620-9648-BAC3-C8182BE034BC}" type="datetimeFigureOut">
               <a:rPr lang="en-US" smtClean="0"/>
-              <a:t>27/08/15</a:t>
+              <a:t>21/09/15</a:t>
             </a:fld>
             <a:endParaRPr lang="en-US"/>
           </a:p>
@@ -1342,7 +1342,7 @@
           <a:p>
             <a:fld id="{546DFE20-6620-9648-BAC3-C8182BE034BC}" type="datetimeFigureOut">
               <a:rPr lang="en-US" smtClean="0"/>
-              <a:t>27/08/15</a:t>
+              <a:t>21/09/15</a:t>
             </a:fld>
             <a:endParaRPr lang="en-US"/>
           </a:p>
@@ -1764,7 +1764,7 @@
           <a:p>
             <a:fld id="{546DFE20-6620-9648-BAC3-C8182BE034BC}" type="datetimeFigureOut">
               <a:rPr lang="en-US" smtClean="0"/>
-              <a:t>27/08/15</a:t>
+              <a:t>21/09/15</a:t>
             </a:fld>
             <a:endParaRPr lang="en-US"/>
           </a:p>
@@ -1882,7 +1882,7 @@
           <a:p>
             <a:fld id="{546DFE20-6620-9648-BAC3-C8182BE034BC}" type="datetimeFigureOut">
               <a:rPr lang="en-US" smtClean="0"/>
-              <a:t>27/08/15</a:t>
+              <a:t>21/09/15</a:t>
             </a:fld>
             <a:endParaRPr lang="en-US"/>
           </a:p>
@@ -1977,7 +1977,7 @@
           <a:p>
             <a:fld id="{546DFE20-6620-9648-BAC3-C8182BE034BC}" type="datetimeFigureOut">
               <a:rPr lang="en-US" smtClean="0"/>
-              <a:t>27/08/15</a:t>
+              <a:t>21/09/15</a:t>
             </a:fld>
             <a:endParaRPr lang="en-US"/>
           </a:p>
@@ -2254,7 +2254,7 @@
           <a:p>
             <a:fld id="{546DFE20-6620-9648-BAC3-C8182BE034BC}" type="datetimeFigureOut">
               <a:rPr lang="en-US" smtClean="0"/>
-              <a:t>27/08/15</a:t>
+              <a:t>21/09/15</a:t>
             </a:fld>
             <a:endParaRPr lang="en-US"/>
           </a:p>
@@ -2507,7 +2507,7 @@
           <a:p>
             <a:fld id="{546DFE20-6620-9648-BAC3-C8182BE034BC}" type="datetimeFigureOut">
               <a:rPr lang="en-US" smtClean="0"/>
-              <a:t>27/08/15</a:t>
+              <a:t>21/09/15</a:t>
             </a:fld>
             <a:endParaRPr lang="en-US"/>
           </a:p>
@@ -2720,7 +2720,7 @@
           <a:p>
             <a:fld id="{546DFE20-6620-9648-BAC3-C8182BE034BC}" type="datetimeFigureOut">
               <a:rPr lang="en-US" smtClean="0"/>
-              <a:t>27/08/15</a:t>
+              <a:t>21/09/15</a:t>
             </a:fld>
             <a:endParaRPr lang="en-US"/>
           </a:p>
@@ -8333,7 +8333,7 @@
           <p:nvPr/>
         </p:nvSpPr>
         <p:spPr>
-          <a:xfrm rot="2279422">
+          <a:xfrm rot="2239730">
             <a:off x="129739" y="2805068"/>
             <a:ext cx="870257" cy="369332"/>
           </a:xfrm>
@@ -13223,6 +13223,79 @@
           </a:fontRef>
         </p:style>
       </p:cxnSp>
+      <p:sp>
+        <p:nvSpPr>
+          <p:cNvPr id="290" name="TextBox 289"/>
+          <p:cNvSpPr txBox="1"/>
+          <p:nvPr/>
+        </p:nvSpPr>
+        <p:spPr>
+          <a:xfrm>
+            <a:off x="7603272" y="5527830"/>
+            <a:ext cx="845726" cy="369332"/>
+          </a:xfrm>
+          <a:prstGeom prst="rect">
+            <a:avLst/>
+          </a:prstGeom>
+          <a:noFill/>
+        </p:spPr>
+        <p:txBody>
+          <a:bodyPr wrap="square" rtlCol="0">
+            <a:spAutoFit/>
+          </a:bodyPr>
+          <a:lstStyle/>
+          <a:p>
+            <a:r>
+              <a:rPr lang="en-US" dirty="0" err="1" smtClean="0"/>
+              <a:t>ARNt</a:t>
+            </a:r>
+            <a:endParaRPr lang="en-US" dirty="0"/>
+          </a:p>
+        </p:txBody>
+      </p:sp>
+      <p:sp>
+        <p:nvSpPr>
+          <p:cNvPr id="291" name="TextBox 290"/>
+          <p:cNvSpPr txBox="1"/>
+          <p:nvPr/>
+        </p:nvSpPr>
+        <p:spPr>
+          <a:xfrm>
+            <a:off x="227409" y="4695431"/>
+            <a:ext cx="1722844" cy="369332"/>
+          </a:xfrm>
+          <a:prstGeom prst="rect">
+            <a:avLst/>
+          </a:prstGeom>
+          <a:noFill/>
+          <a:effectLst/>
+        </p:spPr>
+        <p:txBody>
+          <a:bodyPr wrap="square" rtlCol="0">
+            <a:spAutoFit/>
+          </a:bodyPr>
+          <a:lstStyle/>
+          <a:p>
+            <a:r>
+              <a:rPr lang="en-US" dirty="0" err="1" smtClean="0"/>
+              <a:t>Acides</a:t>
+            </a:r>
+            <a:r>
+              <a:rPr lang="en-US" dirty="0" smtClean="0"/>
+              <a:t> </a:t>
+            </a:r>
+            <a:r>
+              <a:rPr lang="en-US" dirty="0" err="1" smtClean="0"/>
+              <a:t>amin</a:t>
+            </a:r>
+            <a:r>
+              <a:rPr lang="en-US" dirty="0" err="1" smtClean="0"/>
+              <a:t>és</a:t>
+            </a:r>
+            <a:endParaRPr lang="en-US" dirty="0"/>
+          </a:p>
+        </p:txBody>
+      </p:sp>
     </p:spTree>
     <p:extLst>
       <p:ext uri="{BB962C8B-B14F-4D97-AF65-F5344CB8AC3E}">
